--- a/sprints/Sprint 5 - Nov 20 -  Nov 26 - Planning.pptx
+++ b/sprints/Sprint 5 - Nov 20 -  Nov 26 - Planning.pptx
@@ -198,7 +198,7 @@
           <a:p>
             <a:fld id="{68B00D8E-BD79-47BE-AA74-0D4716B611F1}" type="datetimeFigureOut">
               <a:rPr lang="en-US" smtClean="0"/>
-              <a:t>11/20/2016</a:t>
+              <a:t>11/26/2016</a:t>
             </a:fld>
             <a:endParaRPr lang="en-US"/>
           </a:p>
@@ -555,7 +555,7 @@
             <a:fld id="{81331B57-0BE5-4F82-AA58-76F53EFF3ADA}" type="datetime8">
               <a:rPr lang="en-US" smtClean="0"/>
               <a:pPr/>
-              <a:t>11/20/2016 7:07 AM</a:t>
+              <a:t>11/26/2016 4:57 PM</a:t>
             </a:fld>
             <a:endParaRPr lang="en-US" dirty="0"/>
           </a:p>
@@ -750,7 +750,7 @@
             <a:fld id="{81331B57-0BE5-4F82-AA58-76F53EFF3ADA}" type="datetime8">
               <a:rPr lang="en-US" smtClean="0"/>
               <a:pPr/>
-              <a:t>11/20/2016 7:07 AM</a:t>
+              <a:t>11/26/2016 4:57 PM</a:t>
             </a:fld>
             <a:endParaRPr lang="en-US"/>
           </a:p>
@@ -935,7 +935,7 @@
             <a:fld id="{81331B57-0BE5-4F82-AA58-76F53EFF3ADA}" type="datetime8">
               <a:rPr lang="en-US" smtClean="0"/>
               <a:pPr/>
-              <a:t>11/20/2016 7:09 AM</a:t>
+              <a:t>11/26/2016 4:57 PM</a:t>
             </a:fld>
             <a:endParaRPr lang="en-US"/>
           </a:p>
@@ -1120,7 +1120,7 @@
             <a:fld id="{81331B57-0BE5-4F82-AA58-76F53EFF3ADA}" type="datetime8">
               <a:rPr lang="en-US" smtClean="0"/>
               <a:pPr/>
-              <a:t>11/20/2016 7:11 AM</a:t>
+              <a:t>11/26/2016 4:57 PM</a:t>
             </a:fld>
             <a:endParaRPr lang="en-US"/>
           </a:p>
@@ -1305,7 +1305,7 @@
             <a:fld id="{81331B57-0BE5-4F82-AA58-76F53EFF3ADA}" type="datetime8">
               <a:rPr lang="en-US" smtClean="0"/>
               <a:pPr/>
-              <a:t>11/20/2016 7:12 AM</a:t>
+              <a:t>11/26/2016 4:57 PM</a:t>
             </a:fld>
             <a:endParaRPr lang="en-US"/>
           </a:p>
@@ -1490,7 +1490,7 @@
             <a:fld id="{81331B57-0BE5-4F82-AA58-76F53EFF3ADA}" type="datetime8">
               <a:rPr lang="en-US" smtClean="0"/>
               <a:pPr/>
-              <a:t>11/20/2016 7:12 AM</a:t>
+              <a:t>11/26/2016 4:57 PM</a:t>
             </a:fld>
             <a:endParaRPr lang="en-US"/>
           </a:p>
@@ -4929,7 +4929,7 @@
         <p:spPr>
           <a:xfrm>
             <a:off x="381000" y="990600"/>
-            <a:ext cx="8382000" cy="5562600"/>
+            <a:ext cx="8382000" cy="6204776"/>
           </a:xfrm>
         </p:spPr>
         <p:txBody>
@@ -4988,7 +4988,7 @@
           <a:p>
             <a:r>
               <a:rPr lang="en-US" dirty="0" smtClean="0"/>
-              <a:t>Continue to Expand Data Model for Semantic Data </a:t>
+              <a:t>Continue to Expand Data Store </a:t>
             </a:r>
             <a:r>
               <a:rPr lang="en-US" dirty="0" smtClean="0">
@@ -5156,7 +5156,6 @@
               <a:rPr lang="en-US" dirty="0" smtClean="0"/>
               <a:t>Nulls instead of separator in SV store</a:t>
             </a:r>
-            <a:endParaRPr lang="en-US" dirty="0" smtClean="0"/>
           </a:p>
           <a:p>
             <a:pPr marL="0" indent="0">
@@ -5311,7 +5310,6 @@
               <a:rPr lang="en-US" dirty="0" smtClean="0"/>
               <a:t>Move bugs from technical backlog to issues</a:t>
             </a:r>
-            <a:endParaRPr lang="en-US" dirty="0" smtClean="0"/>
           </a:p>
         </p:txBody>
       </p:sp>
@@ -5368,7 +5366,7 @@
         <p:spPr>
           <a:xfrm>
             <a:off x="381000" y="230188"/>
-            <a:ext cx="8382000" cy="1329595"/>
+            <a:ext cx="8382000" cy="664797"/>
           </a:xfrm>
         </p:spPr>
         <p:txBody>
@@ -5377,7 +5375,11 @@
           <a:p>
             <a:r>
               <a:rPr lang="en-US" dirty="0"/>
-              <a:t>Continue to Expand Data Model for Semantic Data</a:t>
+              <a:t>Continue to Expand Data </a:t>
+            </a:r>
+            <a:r>
+              <a:rPr lang="en-US" dirty="0" smtClean="0"/>
+              <a:t>Store</a:t>
             </a:r>
             <a:endParaRPr lang="en-US" dirty="0"/>
           </a:p>
@@ -5396,7 +5398,7 @@
         <p:spPr>
           <a:xfrm>
             <a:off x="381000" y="1828800"/>
-            <a:ext cx="8382000" cy="3354765"/>
+            <a:ext cx="8382000" cy="2406813"/>
           </a:xfrm>
         </p:spPr>
         <p:txBody>
@@ -5405,19 +5407,21 @@
           <a:p>
             <a:r>
               <a:rPr lang="en-US" dirty="0" smtClean="0"/>
-              <a:t>Expand Linked CSV </a:t>
-            </a:r>
-            <a:r>
-              <a:rPr lang="en-US" dirty="0" err="1" smtClean="0"/>
-              <a:t>Testcases</a:t>
-            </a:r>
-            <a:endParaRPr lang="en-US" dirty="0" smtClean="0"/>
+              <a:t>Add Support for other Data Stores</a:t>
+            </a:r>
           </a:p>
           <a:p>
             <a:pPr lvl="1"/>
             <a:r>
               <a:rPr lang="en-US" dirty="0" smtClean="0"/>
-              <a:t>Debug and Fix</a:t>
+              <a:t>JSON (Document)</a:t>
+            </a:r>
+          </a:p>
+          <a:p>
+            <a:pPr lvl="1"/>
+            <a:r>
+              <a:rPr lang="en-US" dirty="0" smtClean="0"/>
+              <a:t>SV (Columnar)</a:t>
             </a:r>
           </a:p>
           <a:p>
@@ -5429,28 +5433,7 @@
           <a:p>
             <a:r>
               <a:rPr lang="en-US" dirty="0" smtClean="0"/>
-              <a:t>Design Data Ontology</a:t>
-            </a:r>
-          </a:p>
-          <a:p>
-            <a:pPr lvl="1"/>
-            <a:r>
-              <a:rPr lang="en-US" dirty="0" smtClean="0"/>
-              <a:t>How it is represented</a:t>
-            </a:r>
-          </a:p>
-          <a:p>
-            <a:pPr lvl="1"/>
-            <a:r>
-              <a:rPr lang="en-US" dirty="0" smtClean="0"/>
-              <a:t>How it is hooked into the pipeline</a:t>
-            </a:r>
-          </a:p>
-          <a:p>
-            <a:pPr lvl="1"/>
-            <a:r>
-              <a:rPr lang="en-US" dirty="0" smtClean="0"/>
-              <a:t>Add test cases</a:t>
+              <a:t>Add Select function</a:t>
             </a:r>
             <a:endParaRPr lang="en-US" dirty="0"/>
           </a:p>
@@ -5520,7 +5503,6 @@
               <a:rPr lang="en-US" dirty="0"/>
               <a:t>Continue Web Server Interface for current packages</a:t>
             </a:r>
-            <a:endParaRPr lang="en-US" dirty="0"/>
           </a:p>
         </p:txBody>
       </p:sp>
@@ -5537,7 +5519,7 @@
         <p:spPr>
           <a:xfrm>
             <a:off x="304800" y="1219201"/>
-            <a:ext cx="8382000" cy="5453801"/>
+            <a:ext cx="8382000" cy="3964162"/>
           </a:xfrm>
         </p:spPr>
         <p:txBody>
@@ -5561,28 +5543,6 @@
               <a:rPr lang="en-US" dirty="0" smtClean="0"/>
               <a:t>Complete Parse / Schema</a:t>
             </a:r>
-          </a:p>
-          <a:p>
-            <a:pPr lvl="1"/>
-            <a:endParaRPr lang="en-US" dirty="0"/>
-          </a:p>
-          <a:p>
-            <a:r>
-              <a:rPr lang="en-US" dirty="0" smtClean="0"/>
-              <a:t>Add web services for new packages</a:t>
-            </a:r>
-          </a:p>
-          <a:p>
-            <a:pPr lvl="1"/>
-            <a:r>
-              <a:rPr lang="en-US" dirty="0" smtClean="0"/>
-              <a:t>Collection / </a:t>
-            </a:r>
-            <a:r>
-              <a:rPr lang="en-US" dirty="0" err="1" smtClean="0"/>
-              <a:t>DataStore</a:t>
-            </a:r>
-            <a:endParaRPr lang="en-US" smtClean="0"/>
           </a:p>
           <a:p>
             <a:pPr marL="517525" lvl="1" indent="0">
